--- a/Presentation/Presentation.pptx
+++ b/Presentation/Presentation.pptx
@@ -12,8 +12,8 @@
     <p:sldId id="265" r:id="rId3"/>
     <p:sldId id="293" r:id="rId4"/>
     <p:sldId id="257" r:id="rId5"/>
-    <p:sldId id="258" r:id="rId6"/>
-    <p:sldId id="294" r:id="rId7"/>
+    <p:sldId id="294" r:id="rId6"/>
+    <p:sldId id="258" r:id="rId7"/>
     <p:sldId id="259" r:id="rId8"/>
     <p:sldId id="268" r:id="rId9"/>
     <p:sldId id="261" r:id="rId10"/>
@@ -155,8 +155,8 @@
             <p14:sldId id="265"/>
             <p14:sldId id="293"/>
             <p14:sldId id="257"/>
+            <p14:sldId id="294"/>
             <p14:sldId id="258"/>
-            <p14:sldId id="294"/>
             <p14:sldId id="259"/>
             <p14:sldId id="268"/>
             <p14:sldId id="261"/>
@@ -168,6 +168,10 @@
             <p14:sldId id="264"/>
             <p14:sldId id="269"/>
             <p14:sldId id="272"/>
+          </p14:sldIdLst>
+        </p14:section>
+        <p14:section name="Dashboard" id="{33A8C6BA-F255-480F-800B-EF32D229DB83}">
+          <p14:sldIdLst>
             <p14:sldId id="297"/>
             <p14:sldId id="271"/>
             <p14:sldId id="281"/>
@@ -180,6 +184,10 @@
             <p14:sldId id="278"/>
             <p14:sldId id="279"/>
             <p14:sldId id="270"/>
+          </p14:sldIdLst>
+        </p14:section>
+        <p14:section name="Insights" id="{0B930E22-6ABE-4832-A0E2-65E965192D87}">
+          <p14:sldIdLst>
             <p14:sldId id="290"/>
             <p14:sldId id="283"/>
             <p14:sldId id="284"/>
@@ -187,6 +195,10 @@
             <p14:sldId id="287"/>
             <p14:sldId id="288"/>
             <p14:sldId id="289"/>
+          </p14:sldIdLst>
+        </p14:section>
+        <p14:section name="End" id="{5F698FC9-FCC1-489D-812C-F8B2503DA657}">
+          <p14:sldIdLst>
             <p14:sldId id="298"/>
             <p14:sldId id="292"/>
             <p14:sldId id="282"/>
@@ -4518,6 +4530,57 @@
           </a:p>
         </p:txBody>
       </p:sp>
+      <p:sp>
+        <p:nvSpPr>
+          <p:cNvPr id="4" name="TextBox 3">
+            <a:extLst>
+              <a:ext uri="{FF2B5EF4-FFF2-40B4-BE49-F238E27FC236}">
+                <a16:creationId xmlns:a16="http://schemas.microsoft.com/office/drawing/2014/main" id="{18095BBD-FB0B-4CEA-A195-C6C86F8AA7A6}"/>
+              </a:ext>
+            </a:extLst>
+          </p:cNvPr>
+          <p:cNvSpPr txBox="1"/>
+          <p:nvPr/>
+        </p:nvSpPr>
+        <p:spPr>
+          <a:xfrm>
+            <a:off x="10365754" y="6371772"/>
+            <a:ext cx="1817101" cy="369332"/>
+          </a:xfrm>
+          <a:prstGeom prst="rect">
+            <a:avLst/>
+          </a:prstGeom>
+          <a:noFill/>
+        </p:spPr>
+        <p:txBody>
+          <a:bodyPr wrap="none" rtlCol="0">
+            <a:spAutoFit/>
+          </a:bodyPr>
+          <a:lstStyle/>
+          <a:p>
+            <a:r>
+              <a:rPr lang="en-US" dirty="0">
+                <a:solidFill>
+                  <a:schemeClr val="bg1"/>
+                </a:solidFill>
+                <a:hlinkClick r:id="rId3">
+                  <a:extLst>
+                    <a:ext uri="{A12FA001-AC4F-418D-AE19-62706E023703}">
+                      <ahyp:hlinkClr xmlns:ahyp="http://schemas.microsoft.com/office/drawing/2018/hyperlinkcolor" val="tx"/>
+                    </a:ext>
+                  </a:extLst>
+                </a:hlinkClick>
+              </a:rPr>
+              <a:t>Doctordatah.com</a:t>
+            </a:r>
+            <a:endParaRPr lang="en-US" dirty="0">
+              <a:solidFill>
+                <a:schemeClr val="bg1"/>
+              </a:solidFill>
+            </a:endParaRPr>
+          </a:p>
+        </p:txBody>
+      </p:sp>
     </p:spTree>
     <p:extLst>
       <p:ext uri="{BB962C8B-B14F-4D97-AF65-F5344CB8AC3E}">
@@ -15524,7 +15587,7 @@
           <a:p>
             <a:r>
               <a:rPr lang="en-US" sz="2400" dirty="0"/>
-              <a:t>Overall, sales of 1031.41 million USD</a:t>
+              <a:t>Overall for USA, sales of 1031.41 million USD</a:t>
             </a:r>
             <a:endParaRPr lang="en-US" dirty="0"/>
           </a:p>
@@ -18122,7 +18185,7 @@
                 <a:cs typeface="+mn-cs"/>
                 <a:hlinkClick r:id="rId2"/>
               </a:rPr>
-              <a:t>link</a:t>
+              <a:t>Link</a:t>
             </a:r>
             <a:endParaRPr kumimoji="0" lang="en-US" b="0" i="0" u="none" strike="noStrike" kern="1200" cap="none" spc="0" normalizeH="0" baseline="0" noProof="0" dirty="0">
               <a:ln>
@@ -19465,6 +19528,51 @@
           </a:p>
         </p:txBody>
       </p:sp>
+      <p:sp>
+        <p:nvSpPr>
+          <p:cNvPr id="3" name="TextBox 2">
+            <a:extLst>
+              <a:ext uri="{FF2B5EF4-FFF2-40B4-BE49-F238E27FC236}">
+                <a16:creationId xmlns:a16="http://schemas.microsoft.com/office/drawing/2014/main" id="{D60C3E57-779C-4AEA-8139-DE391C92F230}"/>
+              </a:ext>
+            </a:extLst>
+          </p:cNvPr>
+          <p:cNvSpPr txBox="1"/>
+          <p:nvPr/>
+        </p:nvSpPr>
+        <p:spPr>
+          <a:xfrm>
+            <a:off x="10114003" y="6331678"/>
+            <a:ext cx="1817101" cy="369332"/>
+          </a:xfrm>
+          <a:prstGeom prst="rect">
+            <a:avLst/>
+          </a:prstGeom>
+          <a:noFill/>
+        </p:spPr>
+        <p:txBody>
+          <a:bodyPr wrap="none" rtlCol="0">
+            <a:spAutoFit/>
+          </a:bodyPr>
+          <a:lstStyle/>
+          <a:p>
+            <a:r>
+              <a:rPr lang="en-US" dirty="0">
+                <a:solidFill>
+                  <a:schemeClr val="bg1"/>
+                </a:solidFill>
+                <a:hlinkClick r:id="rId2"/>
+              </a:rPr>
+              <a:t>Doctordatah.com</a:t>
+            </a:r>
+            <a:endParaRPr lang="en-US" dirty="0">
+              <a:solidFill>
+                <a:schemeClr val="bg1"/>
+              </a:solidFill>
+            </a:endParaRPr>
+          </a:p>
+        </p:txBody>
+      </p:sp>
     </p:spTree>
     <p:extLst>
       <p:ext uri="{BB962C8B-B14F-4D97-AF65-F5344CB8AC3E}">
@@ -19491,353 +19599,6 @@
 </file>
 
 <file path=ppt/slides/slide5.xml><?xml version="1.0" encoding="utf-8"?>
-<p:sld xmlns:a="http://schemas.openxmlformats.org/drawingml/2006/main" xmlns:r="http://schemas.openxmlformats.org/officeDocument/2006/relationships" xmlns:p="http://schemas.openxmlformats.org/presentationml/2006/main">
-  <p:cSld>
-    <p:bg>
-      <p:bgPr>
-        <a:solidFill>
-          <a:schemeClr val="bg1"/>
-        </a:solidFill>
-        <a:effectLst/>
-      </p:bgPr>
-    </p:bg>
-    <p:spTree>
-      <p:nvGrpSpPr>
-        <p:cNvPr id="1" name=""/>
-        <p:cNvGrpSpPr/>
-        <p:nvPr/>
-      </p:nvGrpSpPr>
-      <p:grpSpPr>
-        <a:xfrm>
-          <a:off x="0" y="0"/>
-          <a:ext cx="0" cy="0"/>
-          <a:chOff x="0" y="0"/>
-          <a:chExt cx="0" cy="0"/>
-        </a:xfrm>
-      </p:grpSpPr>
-      <p:sp>
-        <p:nvSpPr>
-          <p:cNvPr id="28" name="Rectangle 27">
-            <a:extLst>
-              <a:ext uri="{FF2B5EF4-FFF2-40B4-BE49-F238E27FC236}">
-                <a16:creationId xmlns:a16="http://schemas.microsoft.com/office/drawing/2014/main" id="{8D70B121-56F4-4848-B38B-182089D909FA}"/>
-              </a:ext>
-              <a:ext uri="{C183D7F6-B498-43B3-948B-1728B52AA6E4}">
-                <adec:decorative xmlns:adec="http://schemas.microsoft.com/office/drawing/2017/decorative" val="1"/>
-              </a:ext>
-            </a:extLst>
-          </p:cNvPr>
-          <p:cNvSpPr>
-            <a:spLocks noGrp="1" noRot="1" noChangeAspect="1" noMove="1" noResize="1" noEditPoints="1" noAdjustHandles="1" noChangeArrowheads="1" noChangeShapeType="1" noTextEdit="1"/>
-          </p:cNvSpPr>
-          <p:nvPr>
-            <p:extLst>
-              <p:ext uri="{386F3935-93C4-4BCD-93E2-E3B085C9AB24}">
-                <p16:designElem xmlns:p16="http://schemas.microsoft.com/office/powerpoint/2015/main" val="1"/>
-              </p:ext>
-            </p:extLst>
-          </p:nvPr>
-        </p:nvSpPr>
-        <p:spPr bwMode="ltGray">
-          <a:xfrm>
-            <a:off x="321564" y="320040"/>
-            <a:ext cx="11548872" cy="6217920"/>
-          </a:xfrm>
-          <a:prstGeom prst="rect">
-            <a:avLst/>
-          </a:prstGeom>
-          <a:solidFill>
-            <a:schemeClr val="tx1">
-              <a:alpha val="8000"/>
-            </a:schemeClr>
-          </a:solidFill>
-          <a:ln w="127000" cap="sq" cmpd="thinThick">
-            <a:noFill/>
-          </a:ln>
-        </p:spPr>
-        <p:style>
-          <a:lnRef idx="2">
-            <a:schemeClr val="accent1">
-              <a:shade val="50000"/>
-            </a:schemeClr>
-          </a:lnRef>
-          <a:fillRef idx="1">
-            <a:schemeClr val="accent1"/>
-          </a:fillRef>
-          <a:effectRef idx="0">
-            <a:schemeClr val="accent1"/>
-          </a:effectRef>
-          <a:fontRef idx="minor">
-            <a:schemeClr val="lt1"/>
-          </a:fontRef>
-        </p:style>
-        <p:txBody>
-          <a:bodyPr rtlCol="0" anchor="ctr"/>
-          <a:lstStyle/>
-          <a:p>
-            <a:pPr algn="ctr"/>
-            <a:endParaRPr lang="en-US"/>
-          </a:p>
-        </p:txBody>
-      </p:sp>
-      <p:sp>
-        <p:nvSpPr>
-          <p:cNvPr id="2" name="Title 1">
-            <a:extLst>
-              <a:ext uri="{FF2B5EF4-FFF2-40B4-BE49-F238E27FC236}">
-                <a16:creationId xmlns:a16="http://schemas.microsoft.com/office/drawing/2014/main" id="{EEA1865C-4247-434B-9DA6-6705FE4740B9}"/>
-              </a:ext>
-            </a:extLst>
-          </p:cNvPr>
-          <p:cNvSpPr>
-            <a:spLocks noGrp="1"/>
-          </p:cNvSpPr>
-          <p:nvPr>
-            <p:ph type="title"/>
-          </p:nvPr>
-        </p:nvSpPr>
-        <p:spPr>
-          <a:xfrm>
-            <a:off x="838200" y="963877"/>
-            <a:ext cx="3494362" cy="4930246"/>
-          </a:xfrm>
-        </p:spPr>
-        <p:txBody>
-          <a:bodyPr>
-            <a:normAutofit/>
-          </a:bodyPr>
-          <a:lstStyle/>
-          <a:p>
-            <a:pPr algn="r"/>
-            <a:r>
-              <a:rPr lang="en-US" dirty="0">
-                <a:solidFill>
-                  <a:schemeClr val="accent1"/>
-                </a:solidFill>
-              </a:rPr>
-              <a:t>OLTP –Transactional Database</a:t>
-            </a:r>
-          </a:p>
-        </p:txBody>
-      </p:sp>
-      <p:cxnSp>
-        <p:nvCxnSpPr>
-          <p:cNvPr id="30" name="Straight Connector 29">
-            <a:extLst>
-              <a:ext uri="{FF2B5EF4-FFF2-40B4-BE49-F238E27FC236}">
-                <a16:creationId xmlns:a16="http://schemas.microsoft.com/office/drawing/2014/main" id="{2D72A2C9-F3CA-4216-8BAD-FA4C970C3C4E}"/>
-              </a:ext>
-              <a:ext uri="{C183D7F6-B498-43B3-948B-1728B52AA6E4}">
-                <adec:decorative xmlns:adec="http://schemas.microsoft.com/office/drawing/2017/decorative" val="1"/>
-              </a:ext>
-            </a:extLst>
-          </p:cNvPr>
-          <p:cNvCxnSpPr>
-            <a:cxnSpLocks noGrp="1" noRot="1" noChangeAspect="1" noMove="1" noResize="1" noEditPoints="1" noAdjustHandles="1" noChangeArrowheads="1" noChangeShapeType="1"/>
-          </p:cNvCxnSpPr>
-          <p:nvPr>
-            <p:extLst>
-              <p:ext uri="{386F3935-93C4-4BCD-93E2-E3B085C9AB24}">
-                <p16:designElem xmlns:p16="http://schemas.microsoft.com/office/powerpoint/2015/main" val="1"/>
-              </p:ext>
-            </p:extLst>
-          </p:nvPr>
-        </p:nvCxnSpPr>
-        <p:spPr>
-          <a:xfrm>
-            <a:off x="4654296" y="2057400"/>
-            <a:ext cx="0" cy="2743200"/>
-          </a:xfrm>
-          <a:prstGeom prst="line">
-            <a:avLst/>
-          </a:prstGeom>
-          <a:ln w="19050">
-            <a:solidFill>
-              <a:schemeClr val="tx1">
-                <a:lumMod val="85000"/>
-                <a:lumOff val="15000"/>
-              </a:schemeClr>
-            </a:solidFill>
-          </a:ln>
-        </p:spPr>
-        <p:style>
-          <a:lnRef idx="1">
-            <a:schemeClr val="accent1"/>
-          </a:lnRef>
-          <a:fillRef idx="0">
-            <a:schemeClr val="accent1"/>
-          </a:fillRef>
-          <a:effectRef idx="0">
-            <a:schemeClr val="accent1"/>
-          </a:effectRef>
-          <a:fontRef idx="minor">
-            <a:schemeClr val="tx1"/>
-          </a:fontRef>
-        </p:style>
-      </p:cxnSp>
-      <p:sp>
-        <p:nvSpPr>
-          <p:cNvPr id="8" name="Content Placeholder 7">
-            <a:extLst>
-              <a:ext uri="{FF2B5EF4-FFF2-40B4-BE49-F238E27FC236}">
-                <a16:creationId xmlns:a16="http://schemas.microsoft.com/office/drawing/2014/main" id="{88453ED6-A706-4E07-81A8-C281FC3AC4E2}"/>
-              </a:ext>
-            </a:extLst>
-          </p:cNvPr>
-          <p:cNvSpPr>
-            <a:spLocks noGrp="1"/>
-          </p:cNvSpPr>
-          <p:nvPr>
-            <p:ph idx="1"/>
-          </p:nvPr>
-        </p:nvSpPr>
-        <p:spPr>
-          <a:xfrm>
-            <a:off x="4976031" y="963877"/>
-            <a:ext cx="6377769" cy="4930246"/>
-          </a:xfrm>
-        </p:spPr>
-        <p:txBody>
-          <a:bodyPr anchor="ctr">
-            <a:normAutofit/>
-          </a:bodyPr>
-          <a:lstStyle/>
-          <a:p>
-            <a:pPr marL="342900" marR="0" lvl="0" indent="-342900">
-              <a:spcBef>
-                <a:spcPts val="0"/>
-              </a:spcBef>
-              <a:spcAft>
-                <a:spcPts val="0"/>
-              </a:spcAft>
-              <a:buFont typeface="Symbol" panose="05050102010706020507" pitchFamily="18" charset="2"/>
-              <a:buChar char=""/>
-            </a:pPr>
-            <a:r>
-              <a:rPr lang="en-US" sz="2400" dirty="0">
-                <a:effectLst/>
-                <a:latin typeface="Calibri" panose="020F0502020204030204" pitchFamily="34" charset="0"/>
-                <a:ea typeface="Calibri" panose="020F0502020204030204" pitchFamily="34" charset="0"/>
-                <a:cs typeface="Times New Roman" panose="02020603050405020304" pitchFamily="18" charset="0"/>
-              </a:rPr>
-              <a:t>Sales</a:t>
-            </a:r>
-          </a:p>
-          <a:p>
-            <a:pPr marL="342900" marR="0" lvl="0" indent="-342900">
-              <a:spcBef>
-                <a:spcPts val="0"/>
-              </a:spcBef>
-              <a:spcAft>
-                <a:spcPts val="0"/>
-              </a:spcAft>
-              <a:buFont typeface="Symbol" panose="05050102010706020507" pitchFamily="18" charset="2"/>
-              <a:buChar char=""/>
-            </a:pPr>
-            <a:r>
-              <a:rPr lang="en-US" sz="2400" dirty="0">
-                <a:effectLst/>
-                <a:latin typeface="Calibri" panose="020F0502020204030204" pitchFamily="34" charset="0"/>
-                <a:ea typeface="Calibri" panose="020F0502020204030204" pitchFamily="34" charset="0"/>
-                <a:cs typeface="Times New Roman" panose="02020603050405020304" pitchFamily="18" charset="0"/>
-              </a:rPr>
-              <a:t>Person</a:t>
-            </a:r>
-          </a:p>
-          <a:p>
-            <a:pPr marL="342900" marR="0" lvl="0" indent="-342900">
-              <a:spcBef>
-                <a:spcPts val="0"/>
-              </a:spcBef>
-              <a:spcAft>
-                <a:spcPts val="0"/>
-              </a:spcAft>
-              <a:buFont typeface="Symbol" panose="05050102010706020507" pitchFamily="18" charset="2"/>
-              <a:buChar char=""/>
-            </a:pPr>
-            <a:r>
-              <a:rPr lang="en-US" sz="2400" dirty="0">
-                <a:effectLst/>
-                <a:latin typeface="Calibri" panose="020F0502020204030204" pitchFamily="34" charset="0"/>
-                <a:ea typeface="Calibri" panose="020F0502020204030204" pitchFamily="34" charset="0"/>
-                <a:cs typeface="Times New Roman" panose="02020603050405020304" pitchFamily="18" charset="0"/>
-              </a:rPr>
-              <a:t>Production </a:t>
-            </a:r>
-          </a:p>
-          <a:p>
-            <a:pPr marL="342900" marR="0" lvl="0" indent="-342900">
-              <a:spcBef>
-                <a:spcPts val="0"/>
-              </a:spcBef>
-              <a:spcAft>
-                <a:spcPts val="0"/>
-              </a:spcAft>
-              <a:buFont typeface="Symbol" panose="05050102010706020507" pitchFamily="18" charset="2"/>
-              <a:buChar char=""/>
-            </a:pPr>
-            <a:r>
-              <a:rPr lang="en-US" sz="2400" dirty="0">
-                <a:effectLst/>
-                <a:latin typeface="Calibri" panose="020F0502020204030204" pitchFamily="34" charset="0"/>
-                <a:ea typeface="Calibri" panose="020F0502020204030204" pitchFamily="34" charset="0"/>
-                <a:cs typeface="Times New Roman" panose="02020603050405020304" pitchFamily="18" charset="0"/>
-              </a:rPr>
-              <a:t>Purchasing </a:t>
-            </a:r>
-          </a:p>
-          <a:p>
-            <a:pPr marL="342900" marR="0" lvl="0" indent="-342900">
-              <a:spcBef>
-                <a:spcPts val="0"/>
-              </a:spcBef>
-              <a:spcAft>
-                <a:spcPts val="800"/>
-              </a:spcAft>
-              <a:buFont typeface="Symbol" panose="05050102010706020507" pitchFamily="18" charset="2"/>
-              <a:buChar char=""/>
-            </a:pPr>
-            <a:r>
-              <a:rPr lang="en-US" sz="2400" dirty="0">
-                <a:effectLst/>
-                <a:latin typeface="Calibri" panose="020F0502020204030204" pitchFamily="34" charset="0"/>
-                <a:ea typeface="Calibri" panose="020F0502020204030204" pitchFamily="34" charset="0"/>
-                <a:cs typeface="Times New Roman" panose="02020603050405020304" pitchFamily="18" charset="0"/>
-              </a:rPr>
-              <a:t>Human Resource</a:t>
-            </a:r>
-          </a:p>
-          <a:p>
-            <a:endParaRPr lang="en-US" sz="2400" dirty="0"/>
-          </a:p>
-        </p:txBody>
-      </p:sp>
-    </p:spTree>
-    <p:extLst>
-      <p:ext uri="{BB962C8B-B14F-4D97-AF65-F5344CB8AC3E}">
-        <p14:creationId xmlns:p14="http://schemas.microsoft.com/office/powerpoint/2010/main" val="1905085506"/>
-      </p:ext>
-    </p:extLst>
-  </p:cSld>
-  <p:clrMapOvr>
-    <a:masterClrMapping/>
-  </p:clrMapOvr>
-  <mc:AlternateContent xmlns:mc="http://schemas.openxmlformats.org/markup-compatibility/2006" xmlns:p14="http://schemas.microsoft.com/office/powerpoint/2010/main">
-    <mc:Choice Requires="p14">
-      <p:transition spd="med" p14:dur="700">
-        <p:fade/>
-      </p:transition>
-    </mc:Choice>
-    <mc:Fallback xmlns="">
-      <p:transition spd="med">
-        <p:fade/>
-      </p:transition>
-    </mc:Fallback>
-  </mc:AlternateContent>
-</p:sld>
-</file>
-
-<file path=ppt/slides/slide6.xml><?xml version="1.0" encoding="utf-8"?>
 <p:sld xmlns:a="http://schemas.openxmlformats.org/drawingml/2006/main" xmlns:r="http://schemas.openxmlformats.org/officeDocument/2006/relationships" xmlns:p="http://schemas.openxmlformats.org/presentationml/2006/main">
   <p:cSld>
     <p:bg>
@@ -20339,6 +20100,353 @@
     <p:extLst>
       <p:ext uri="{BB962C8B-B14F-4D97-AF65-F5344CB8AC3E}">
         <p14:creationId xmlns:p14="http://schemas.microsoft.com/office/powerpoint/2010/main" val="1892587348"/>
+      </p:ext>
+    </p:extLst>
+  </p:cSld>
+  <p:clrMapOvr>
+    <a:masterClrMapping/>
+  </p:clrMapOvr>
+  <mc:AlternateContent xmlns:mc="http://schemas.openxmlformats.org/markup-compatibility/2006" xmlns:p14="http://schemas.microsoft.com/office/powerpoint/2010/main">
+    <mc:Choice Requires="p14">
+      <p:transition spd="med" p14:dur="700">
+        <p:fade/>
+      </p:transition>
+    </mc:Choice>
+    <mc:Fallback xmlns="">
+      <p:transition spd="med">
+        <p:fade/>
+      </p:transition>
+    </mc:Fallback>
+  </mc:AlternateContent>
+</p:sld>
+</file>
+
+<file path=ppt/slides/slide6.xml><?xml version="1.0" encoding="utf-8"?>
+<p:sld xmlns:a="http://schemas.openxmlformats.org/drawingml/2006/main" xmlns:r="http://schemas.openxmlformats.org/officeDocument/2006/relationships" xmlns:p="http://schemas.openxmlformats.org/presentationml/2006/main">
+  <p:cSld>
+    <p:bg>
+      <p:bgPr>
+        <a:solidFill>
+          <a:schemeClr val="bg1"/>
+        </a:solidFill>
+        <a:effectLst/>
+      </p:bgPr>
+    </p:bg>
+    <p:spTree>
+      <p:nvGrpSpPr>
+        <p:cNvPr id="1" name=""/>
+        <p:cNvGrpSpPr/>
+        <p:nvPr/>
+      </p:nvGrpSpPr>
+      <p:grpSpPr>
+        <a:xfrm>
+          <a:off x="0" y="0"/>
+          <a:ext cx="0" cy="0"/>
+          <a:chOff x="0" y="0"/>
+          <a:chExt cx="0" cy="0"/>
+        </a:xfrm>
+      </p:grpSpPr>
+      <p:sp>
+        <p:nvSpPr>
+          <p:cNvPr id="28" name="Rectangle 27">
+            <a:extLst>
+              <a:ext uri="{FF2B5EF4-FFF2-40B4-BE49-F238E27FC236}">
+                <a16:creationId xmlns:a16="http://schemas.microsoft.com/office/drawing/2014/main" id="{8D70B121-56F4-4848-B38B-182089D909FA}"/>
+              </a:ext>
+              <a:ext uri="{C183D7F6-B498-43B3-948B-1728B52AA6E4}">
+                <adec:decorative xmlns:adec="http://schemas.microsoft.com/office/drawing/2017/decorative" val="1"/>
+              </a:ext>
+            </a:extLst>
+          </p:cNvPr>
+          <p:cNvSpPr>
+            <a:spLocks noGrp="1" noRot="1" noChangeAspect="1" noMove="1" noResize="1" noEditPoints="1" noAdjustHandles="1" noChangeArrowheads="1" noChangeShapeType="1" noTextEdit="1"/>
+          </p:cNvSpPr>
+          <p:nvPr>
+            <p:extLst>
+              <p:ext uri="{386F3935-93C4-4BCD-93E2-E3B085C9AB24}">
+                <p16:designElem xmlns:p16="http://schemas.microsoft.com/office/powerpoint/2015/main" val="1"/>
+              </p:ext>
+            </p:extLst>
+          </p:nvPr>
+        </p:nvSpPr>
+        <p:spPr bwMode="ltGray">
+          <a:xfrm>
+            <a:off x="321564" y="320040"/>
+            <a:ext cx="11548872" cy="6217920"/>
+          </a:xfrm>
+          <a:prstGeom prst="rect">
+            <a:avLst/>
+          </a:prstGeom>
+          <a:solidFill>
+            <a:schemeClr val="tx1">
+              <a:alpha val="8000"/>
+            </a:schemeClr>
+          </a:solidFill>
+          <a:ln w="127000" cap="sq" cmpd="thinThick">
+            <a:noFill/>
+          </a:ln>
+        </p:spPr>
+        <p:style>
+          <a:lnRef idx="2">
+            <a:schemeClr val="accent1">
+              <a:shade val="50000"/>
+            </a:schemeClr>
+          </a:lnRef>
+          <a:fillRef idx="1">
+            <a:schemeClr val="accent1"/>
+          </a:fillRef>
+          <a:effectRef idx="0">
+            <a:schemeClr val="accent1"/>
+          </a:effectRef>
+          <a:fontRef idx="minor">
+            <a:schemeClr val="lt1"/>
+          </a:fontRef>
+        </p:style>
+        <p:txBody>
+          <a:bodyPr rtlCol="0" anchor="ctr"/>
+          <a:lstStyle/>
+          <a:p>
+            <a:pPr algn="ctr"/>
+            <a:endParaRPr lang="en-US"/>
+          </a:p>
+        </p:txBody>
+      </p:sp>
+      <p:sp>
+        <p:nvSpPr>
+          <p:cNvPr id="2" name="Title 1">
+            <a:extLst>
+              <a:ext uri="{FF2B5EF4-FFF2-40B4-BE49-F238E27FC236}">
+                <a16:creationId xmlns:a16="http://schemas.microsoft.com/office/drawing/2014/main" id="{EEA1865C-4247-434B-9DA6-6705FE4740B9}"/>
+              </a:ext>
+            </a:extLst>
+          </p:cNvPr>
+          <p:cNvSpPr>
+            <a:spLocks noGrp="1"/>
+          </p:cNvSpPr>
+          <p:nvPr>
+            <p:ph type="title"/>
+          </p:nvPr>
+        </p:nvSpPr>
+        <p:spPr>
+          <a:xfrm>
+            <a:off x="838200" y="963877"/>
+            <a:ext cx="3494362" cy="4930246"/>
+          </a:xfrm>
+        </p:spPr>
+        <p:txBody>
+          <a:bodyPr>
+            <a:normAutofit/>
+          </a:bodyPr>
+          <a:lstStyle/>
+          <a:p>
+            <a:pPr algn="r"/>
+            <a:r>
+              <a:rPr lang="en-US" dirty="0">
+                <a:solidFill>
+                  <a:schemeClr val="accent1"/>
+                </a:solidFill>
+              </a:rPr>
+              <a:t>OLTP –Transactional Database</a:t>
+            </a:r>
+          </a:p>
+        </p:txBody>
+      </p:sp>
+      <p:cxnSp>
+        <p:nvCxnSpPr>
+          <p:cNvPr id="30" name="Straight Connector 29">
+            <a:extLst>
+              <a:ext uri="{FF2B5EF4-FFF2-40B4-BE49-F238E27FC236}">
+                <a16:creationId xmlns:a16="http://schemas.microsoft.com/office/drawing/2014/main" id="{2D72A2C9-F3CA-4216-8BAD-FA4C970C3C4E}"/>
+              </a:ext>
+              <a:ext uri="{C183D7F6-B498-43B3-948B-1728B52AA6E4}">
+                <adec:decorative xmlns:adec="http://schemas.microsoft.com/office/drawing/2017/decorative" val="1"/>
+              </a:ext>
+            </a:extLst>
+          </p:cNvPr>
+          <p:cNvCxnSpPr>
+            <a:cxnSpLocks noGrp="1" noRot="1" noChangeAspect="1" noMove="1" noResize="1" noEditPoints="1" noAdjustHandles="1" noChangeArrowheads="1" noChangeShapeType="1"/>
+          </p:cNvCxnSpPr>
+          <p:nvPr>
+            <p:extLst>
+              <p:ext uri="{386F3935-93C4-4BCD-93E2-E3B085C9AB24}">
+                <p16:designElem xmlns:p16="http://schemas.microsoft.com/office/powerpoint/2015/main" val="1"/>
+              </p:ext>
+            </p:extLst>
+          </p:nvPr>
+        </p:nvCxnSpPr>
+        <p:spPr>
+          <a:xfrm>
+            <a:off x="4654296" y="2057400"/>
+            <a:ext cx="0" cy="2743200"/>
+          </a:xfrm>
+          <a:prstGeom prst="line">
+            <a:avLst/>
+          </a:prstGeom>
+          <a:ln w="19050">
+            <a:solidFill>
+              <a:schemeClr val="tx1">
+                <a:lumMod val="85000"/>
+                <a:lumOff val="15000"/>
+              </a:schemeClr>
+            </a:solidFill>
+          </a:ln>
+        </p:spPr>
+        <p:style>
+          <a:lnRef idx="1">
+            <a:schemeClr val="accent1"/>
+          </a:lnRef>
+          <a:fillRef idx="0">
+            <a:schemeClr val="accent1"/>
+          </a:fillRef>
+          <a:effectRef idx="0">
+            <a:schemeClr val="accent1"/>
+          </a:effectRef>
+          <a:fontRef idx="minor">
+            <a:schemeClr val="tx1"/>
+          </a:fontRef>
+        </p:style>
+      </p:cxnSp>
+      <p:sp>
+        <p:nvSpPr>
+          <p:cNvPr id="8" name="Content Placeholder 7">
+            <a:extLst>
+              <a:ext uri="{FF2B5EF4-FFF2-40B4-BE49-F238E27FC236}">
+                <a16:creationId xmlns:a16="http://schemas.microsoft.com/office/drawing/2014/main" id="{88453ED6-A706-4E07-81A8-C281FC3AC4E2}"/>
+              </a:ext>
+            </a:extLst>
+          </p:cNvPr>
+          <p:cNvSpPr>
+            <a:spLocks noGrp="1"/>
+          </p:cNvSpPr>
+          <p:nvPr>
+            <p:ph idx="1"/>
+          </p:nvPr>
+        </p:nvSpPr>
+        <p:spPr>
+          <a:xfrm>
+            <a:off x="4976031" y="963877"/>
+            <a:ext cx="6377769" cy="4930246"/>
+          </a:xfrm>
+        </p:spPr>
+        <p:txBody>
+          <a:bodyPr anchor="ctr">
+            <a:normAutofit/>
+          </a:bodyPr>
+          <a:lstStyle/>
+          <a:p>
+            <a:pPr marL="342900" marR="0" lvl="0" indent="-342900">
+              <a:spcBef>
+                <a:spcPts val="0"/>
+              </a:spcBef>
+              <a:spcAft>
+                <a:spcPts val="0"/>
+              </a:spcAft>
+              <a:buFont typeface="Symbol" panose="05050102010706020507" pitchFamily="18" charset="2"/>
+              <a:buChar char=""/>
+            </a:pPr>
+            <a:r>
+              <a:rPr lang="en-US" sz="2400" dirty="0">
+                <a:effectLst/>
+                <a:latin typeface="Calibri" panose="020F0502020204030204" pitchFamily="34" charset="0"/>
+                <a:ea typeface="Calibri" panose="020F0502020204030204" pitchFamily="34" charset="0"/>
+                <a:cs typeface="Times New Roman" panose="02020603050405020304" pitchFamily="18" charset="0"/>
+              </a:rPr>
+              <a:t>Sales</a:t>
+            </a:r>
+          </a:p>
+          <a:p>
+            <a:pPr marL="342900" marR="0" lvl="0" indent="-342900">
+              <a:spcBef>
+                <a:spcPts val="0"/>
+              </a:spcBef>
+              <a:spcAft>
+                <a:spcPts val="0"/>
+              </a:spcAft>
+              <a:buFont typeface="Symbol" panose="05050102010706020507" pitchFamily="18" charset="2"/>
+              <a:buChar char=""/>
+            </a:pPr>
+            <a:r>
+              <a:rPr lang="en-US" sz="2400" dirty="0">
+                <a:effectLst/>
+                <a:latin typeface="Calibri" panose="020F0502020204030204" pitchFamily="34" charset="0"/>
+                <a:ea typeface="Calibri" panose="020F0502020204030204" pitchFamily="34" charset="0"/>
+                <a:cs typeface="Times New Roman" panose="02020603050405020304" pitchFamily="18" charset="0"/>
+              </a:rPr>
+              <a:t>Person</a:t>
+            </a:r>
+          </a:p>
+          <a:p>
+            <a:pPr marL="342900" marR="0" lvl="0" indent="-342900">
+              <a:spcBef>
+                <a:spcPts val="0"/>
+              </a:spcBef>
+              <a:spcAft>
+                <a:spcPts val="0"/>
+              </a:spcAft>
+              <a:buFont typeface="Symbol" panose="05050102010706020507" pitchFamily="18" charset="2"/>
+              <a:buChar char=""/>
+            </a:pPr>
+            <a:r>
+              <a:rPr lang="en-US" sz="2400" dirty="0">
+                <a:effectLst/>
+                <a:latin typeface="Calibri" panose="020F0502020204030204" pitchFamily="34" charset="0"/>
+                <a:ea typeface="Calibri" panose="020F0502020204030204" pitchFamily="34" charset="0"/>
+                <a:cs typeface="Times New Roman" panose="02020603050405020304" pitchFamily="18" charset="0"/>
+              </a:rPr>
+              <a:t>Production </a:t>
+            </a:r>
+          </a:p>
+          <a:p>
+            <a:pPr marL="342900" marR="0" lvl="0" indent="-342900">
+              <a:spcBef>
+                <a:spcPts val="0"/>
+              </a:spcBef>
+              <a:spcAft>
+                <a:spcPts val="0"/>
+              </a:spcAft>
+              <a:buFont typeface="Symbol" panose="05050102010706020507" pitchFamily="18" charset="2"/>
+              <a:buChar char=""/>
+            </a:pPr>
+            <a:r>
+              <a:rPr lang="en-US" sz="2400" dirty="0">
+                <a:effectLst/>
+                <a:latin typeface="Calibri" panose="020F0502020204030204" pitchFamily="34" charset="0"/>
+                <a:ea typeface="Calibri" panose="020F0502020204030204" pitchFamily="34" charset="0"/>
+                <a:cs typeface="Times New Roman" panose="02020603050405020304" pitchFamily="18" charset="0"/>
+              </a:rPr>
+              <a:t>Purchasing </a:t>
+            </a:r>
+          </a:p>
+          <a:p>
+            <a:pPr marL="342900" marR="0" lvl="0" indent="-342900">
+              <a:spcBef>
+                <a:spcPts val="0"/>
+              </a:spcBef>
+              <a:spcAft>
+                <a:spcPts val="800"/>
+              </a:spcAft>
+              <a:buFont typeface="Symbol" panose="05050102010706020507" pitchFamily="18" charset="2"/>
+              <a:buChar char=""/>
+            </a:pPr>
+            <a:r>
+              <a:rPr lang="en-US" sz="2400" dirty="0">
+                <a:effectLst/>
+                <a:latin typeface="Calibri" panose="020F0502020204030204" pitchFamily="34" charset="0"/>
+                <a:ea typeface="Calibri" panose="020F0502020204030204" pitchFamily="34" charset="0"/>
+                <a:cs typeface="Times New Roman" panose="02020603050405020304" pitchFamily="18" charset="0"/>
+              </a:rPr>
+              <a:t>Human Resource</a:t>
+            </a:r>
+          </a:p>
+          <a:p>
+            <a:endParaRPr lang="en-US" sz="2400" dirty="0"/>
+          </a:p>
+        </p:txBody>
+      </p:sp>
+    </p:spTree>
+    <p:extLst>
+      <p:ext uri="{BB962C8B-B14F-4D97-AF65-F5344CB8AC3E}">
+        <p14:creationId xmlns:p14="http://schemas.microsoft.com/office/powerpoint/2010/main" val="1905085506"/>
       </p:ext>
     </p:extLst>
   </p:cSld>
